--- a/continuous delivery with oltp.pptx
+++ b/continuous delivery with oltp.pptx
@@ -4,6 +4,9 @@
   <p:sldMasterIdLst>
     <p:sldMasterId id="2147483648" r:id="rId1"/>
   </p:sldMasterIdLst>
+  <p:notesMasterIdLst>
+    <p:notesMasterId r:id="rId16"/>
+  </p:notesMasterIdLst>
   <p:sldIdLst>
     <p:sldId id="256" r:id="rId2"/>
     <p:sldId id="257" r:id="rId3"/>
@@ -117,11 +120,1636 @@
       </a:defRPr>
     </a:lvl9pPr>
   </p:defaultTextStyle>
+  <p:extLst>
+    <p:ext uri="{EFAFB233-063F-42B5-8137-9DF3F51BA10A}">
+      <p15:sldGuideLst xmlns:p15="http://schemas.microsoft.com/office/powerpoint/2012/main"/>
+    </p:ext>
+  </p:extLst>
 </p:presentation>
 </file>
 
-<file path=ppt/revisionInfo.xml><?xml version="1.0" encoding="utf-8"?>
-<p1510:revInfo xmlns:a="http://schemas.openxmlformats.org/drawingml/2006/main" xmlns:r="http://schemas.openxmlformats.org/officeDocument/2006/relationships" xmlns:p1510="http://schemas.microsoft.com/office/powerpoint/2015/10/main"/>
+<file path=ppt/notesMasters/notesMaster1.xml><?xml version="1.0" encoding="utf-8"?>
+<p:notesMaster xmlns:a="http://schemas.openxmlformats.org/drawingml/2006/main" xmlns:r="http://schemas.openxmlformats.org/officeDocument/2006/relationships" xmlns:p="http://schemas.openxmlformats.org/presentationml/2006/main">
+  <p:cSld>
+    <p:bg>
+      <p:bgRef idx="1001">
+        <a:schemeClr val="bg1"/>
+      </p:bgRef>
+    </p:bg>
+    <p:spTree>
+      <p:nvGrpSpPr>
+        <p:cNvPr id="1" name=""/>
+        <p:cNvGrpSpPr/>
+        <p:nvPr/>
+      </p:nvGrpSpPr>
+      <p:grpSpPr>
+        <a:xfrm>
+          <a:off x="0" y="0"/>
+          <a:ext cx="0" cy="0"/>
+          <a:chOff x="0" y="0"/>
+          <a:chExt cx="0" cy="0"/>
+        </a:xfrm>
+      </p:grpSpPr>
+      <p:sp>
+        <p:nvSpPr>
+          <p:cNvPr id="2" name="Header Placeholder 1"/>
+          <p:cNvSpPr>
+            <a:spLocks noGrp="1"/>
+          </p:cNvSpPr>
+          <p:nvPr>
+            <p:ph type="hdr" sz="quarter"/>
+          </p:nvPr>
+        </p:nvSpPr>
+        <p:spPr>
+          <a:xfrm>
+            <a:off x="0" y="0"/>
+            <a:ext cx="2971800" cy="458788"/>
+          </a:xfrm>
+          <a:prstGeom prst="rect">
+            <a:avLst/>
+          </a:prstGeom>
+        </p:spPr>
+        <p:txBody>
+          <a:bodyPr vert="horz" lIns="91440" tIns="45720" rIns="91440" bIns="45720" rtlCol="0"/>
+          <a:lstStyle>
+            <a:lvl1pPr algn="l">
+              <a:defRPr sz="1200"/>
+            </a:lvl1pPr>
+          </a:lstStyle>
+          <a:p>
+            <a:endParaRPr lang="en-US"/>
+          </a:p>
+        </p:txBody>
+      </p:sp>
+      <p:sp>
+        <p:nvSpPr>
+          <p:cNvPr id="3" name="Date Placeholder 2"/>
+          <p:cNvSpPr>
+            <a:spLocks noGrp="1"/>
+          </p:cNvSpPr>
+          <p:nvPr>
+            <p:ph type="dt" idx="1"/>
+          </p:nvPr>
+        </p:nvSpPr>
+        <p:spPr>
+          <a:xfrm>
+            <a:off x="3884613" y="0"/>
+            <a:ext cx="2971800" cy="458788"/>
+          </a:xfrm>
+          <a:prstGeom prst="rect">
+            <a:avLst/>
+          </a:prstGeom>
+        </p:spPr>
+        <p:txBody>
+          <a:bodyPr vert="horz" lIns="91440" tIns="45720" rIns="91440" bIns="45720" rtlCol="0"/>
+          <a:lstStyle>
+            <a:lvl1pPr algn="r">
+              <a:defRPr sz="1200"/>
+            </a:lvl1pPr>
+          </a:lstStyle>
+          <a:p>
+            <a:fld id="{203FBC36-F491-443A-95D0-2225886C574F}" type="datetimeFigureOut">
+              <a:rPr lang="en-US" smtClean="0"/>
+              <a:t>1/29/2018</a:t>
+            </a:fld>
+            <a:endParaRPr lang="en-US"/>
+          </a:p>
+        </p:txBody>
+      </p:sp>
+      <p:sp>
+        <p:nvSpPr>
+          <p:cNvPr id="4" name="Slide Image Placeholder 3"/>
+          <p:cNvSpPr>
+            <a:spLocks noGrp="1" noRot="1" noChangeAspect="1"/>
+          </p:cNvSpPr>
+          <p:nvPr>
+            <p:ph type="sldImg" idx="2"/>
+          </p:nvPr>
+        </p:nvSpPr>
+        <p:spPr>
+          <a:xfrm>
+            <a:off x="685800" y="1143000"/>
+            <a:ext cx="5486400" cy="3086100"/>
+          </a:xfrm>
+          <a:prstGeom prst="rect">
+            <a:avLst/>
+          </a:prstGeom>
+          <a:noFill/>
+          <a:ln w="12700">
+            <a:solidFill>
+              <a:prstClr val="black"/>
+            </a:solidFill>
+          </a:ln>
+        </p:spPr>
+        <p:txBody>
+          <a:bodyPr vert="horz" lIns="91440" tIns="45720" rIns="91440" bIns="45720" rtlCol="0" anchor="ctr"/>
+          <a:lstStyle/>
+          <a:p>
+            <a:endParaRPr lang="en-US"/>
+          </a:p>
+        </p:txBody>
+      </p:sp>
+      <p:sp>
+        <p:nvSpPr>
+          <p:cNvPr id="5" name="Notes Placeholder 4"/>
+          <p:cNvSpPr>
+            <a:spLocks noGrp="1"/>
+          </p:cNvSpPr>
+          <p:nvPr>
+            <p:ph type="body" sz="quarter" idx="3"/>
+          </p:nvPr>
+        </p:nvSpPr>
+        <p:spPr>
+          <a:xfrm>
+            <a:off x="685800" y="4400550"/>
+            <a:ext cx="5486400" cy="3600450"/>
+          </a:xfrm>
+          <a:prstGeom prst="rect">
+            <a:avLst/>
+          </a:prstGeom>
+        </p:spPr>
+        <p:txBody>
+          <a:bodyPr vert="horz" lIns="91440" tIns="45720" rIns="91440" bIns="45720" rtlCol="0"/>
+          <a:lstStyle/>
+          <a:p>
+            <a:pPr lvl="0"/>
+            <a:r>
+              <a:rPr lang="en-US"/>
+              <a:t>Edit Master text styles</a:t>
+            </a:r>
+          </a:p>
+          <a:p>
+            <a:pPr lvl="1"/>
+            <a:r>
+              <a:rPr lang="en-US"/>
+              <a:t>Second level</a:t>
+            </a:r>
+          </a:p>
+          <a:p>
+            <a:pPr lvl="2"/>
+            <a:r>
+              <a:rPr lang="en-US"/>
+              <a:t>Third level</a:t>
+            </a:r>
+          </a:p>
+          <a:p>
+            <a:pPr lvl="3"/>
+            <a:r>
+              <a:rPr lang="en-US"/>
+              <a:t>Fourth level</a:t>
+            </a:r>
+          </a:p>
+          <a:p>
+            <a:pPr lvl="4"/>
+            <a:r>
+              <a:rPr lang="en-US"/>
+              <a:t>Fifth level</a:t>
+            </a:r>
+          </a:p>
+        </p:txBody>
+      </p:sp>
+      <p:sp>
+        <p:nvSpPr>
+          <p:cNvPr id="6" name="Footer Placeholder 5"/>
+          <p:cNvSpPr>
+            <a:spLocks noGrp="1"/>
+          </p:cNvSpPr>
+          <p:nvPr>
+            <p:ph type="ftr" sz="quarter" idx="4"/>
+          </p:nvPr>
+        </p:nvSpPr>
+        <p:spPr>
+          <a:xfrm>
+            <a:off x="0" y="8685213"/>
+            <a:ext cx="2971800" cy="458787"/>
+          </a:xfrm>
+          <a:prstGeom prst="rect">
+            <a:avLst/>
+          </a:prstGeom>
+        </p:spPr>
+        <p:txBody>
+          <a:bodyPr vert="horz" lIns="91440" tIns="45720" rIns="91440" bIns="45720" rtlCol="0" anchor="b"/>
+          <a:lstStyle>
+            <a:lvl1pPr algn="l">
+              <a:defRPr sz="1200"/>
+            </a:lvl1pPr>
+          </a:lstStyle>
+          <a:p>
+            <a:endParaRPr lang="en-US"/>
+          </a:p>
+        </p:txBody>
+      </p:sp>
+      <p:sp>
+        <p:nvSpPr>
+          <p:cNvPr id="7" name="Slide Number Placeholder 6"/>
+          <p:cNvSpPr>
+            <a:spLocks noGrp="1"/>
+          </p:cNvSpPr>
+          <p:nvPr>
+            <p:ph type="sldNum" sz="quarter" idx="5"/>
+          </p:nvPr>
+        </p:nvSpPr>
+        <p:spPr>
+          <a:xfrm>
+            <a:off x="3884613" y="8685213"/>
+            <a:ext cx="2971800" cy="458787"/>
+          </a:xfrm>
+          <a:prstGeom prst="rect">
+            <a:avLst/>
+          </a:prstGeom>
+        </p:spPr>
+        <p:txBody>
+          <a:bodyPr vert="horz" lIns="91440" tIns="45720" rIns="91440" bIns="45720" rtlCol="0" anchor="b"/>
+          <a:lstStyle>
+            <a:lvl1pPr algn="r">
+              <a:defRPr sz="1200"/>
+            </a:lvl1pPr>
+          </a:lstStyle>
+          <a:p>
+            <a:fld id="{7AFFC63C-60C1-4378-9691-87661994C31D}" type="slidenum">
+              <a:rPr lang="en-US" smtClean="0"/>
+              <a:t>‹#›</a:t>
+            </a:fld>
+            <a:endParaRPr lang="en-US"/>
+          </a:p>
+        </p:txBody>
+      </p:sp>
+    </p:spTree>
+    <p:extLst>
+      <p:ext uri="{BB962C8B-B14F-4D97-AF65-F5344CB8AC3E}">
+        <p14:creationId xmlns:p14="http://schemas.microsoft.com/office/powerpoint/2010/main" val="3000611509"/>
+      </p:ext>
+    </p:extLst>
+  </p:cSld>
+  <p:clrMap bg1="lt1" tx1="dk1" bg2="lt2" tx2="dk2" accent1="accent1" accent2="accent2" accent3="accent3" accent4="accent4" accent5="accent5" accent6="accent6" hlink="hlink" folHlink="folHlink"/>
+  <p:notesStyle>
+    <a:lvl1pPr marL="0" algn="l" defTabSz="914400" rtl="0" eaLnBrk="1" latinLnBrk="0" hangingPunct="1">
+      <a:defRPr sz="1200" kern="1200">
+        <a:solidFill>
+          <a:schemeClr val="tx1"/>
+        </a:solidFill>
+        <a:latin typeface="+mn-lt"/>
+        <a:ea typeface="+mn-ea"/>
+        <a:cs typeface="+mn-cs"/>
+      </a:defRPr>
+    </a:lvl1pPr>
+    <a:lvl2pPr marL="457200" algn="l" defTabSz="914400" rtl="0" eaLnBrk="1" latinLnBrk="0" hangingPunct="1">
+      <a:defRPr sz="1200" kern="1200">
+        <a:solidFill>
+          <a:schemeClr val="tx1"/>
+        </a:solidFill>
+        <a:latin typeface="+mn-lt"/>
+        <a:ea typeface="+mn-ea"/>
+        <a:cs typeface="+mn-cs"/>
+      </a:defRPr>
+    </a:lvl2pPr>
+    <a:lvl3pPr marL="914400" algn="l" defTabSz="914400" rtl="0" eaLnBrk="1" latinLnBrk="0" hangingPunct="1">
+      <a:defRPr sz="1200" kern="1200">
+        <a:solidFill>
+          <a:schemeClr val="tx1"/>
+        </a:solidFill>
+        <a:latin typeface="+mn-lt"/>
+        <a:ea typeface="+mn-ea"/>
+        <a:cs typeface="+mn-cs"/>
+      </a:defRPr>
+    </a:lvl3pPr>
+    <a:lvl4pPr marL="1371600" algn="l" defTabSz="914400" rtl="0" eaLnBrk="1" latinLnBrk="0" hangingPunct="1">
+      <a:defRPr sz="1200" kern="1200">
+        <a:solidFill>
+          <a:schemeClr val="tx1"/>
+        </a:solidFill>
+        <a:latin typeface="+mn-lt"/>
+        <a:ea typeface="+mn-ea"/>
+        <a:cs typeface="+mn-cs"/>
+      </a:defRPr>
+    </a:lvl4pPr>
+    <a:lvl5pPr marL="1828800" algn="l" defTabSz="914400" rtl="0" eaLnBrk="1" latinLnBrk="0" hangingPunct="1">
+      <a:defRPr sz="1200" kern="1200">
+        <a:solidFill>
+          <a:schemeClr val="tx1"/>
+        </a:solidFill>
+        <a:latin typeface="+mn-lt"/>
+        <a:ea typeface="+mn-ea"/>
+        <a:cs typeface="+mn-cs"/>
+      </a:defRPr>
+    </a:lvl5pPr>
+    <a:lvl6pPr marL="2286000" algn="l" defTabSz="914400" rtl="0" eaLnBrk="1" latinLnBrk="0" hangingPunct="1">
+      <a:defRPr sz="1200" kern="1200">
+        <a:solidFill>
+          <a:schemeClr val="tx1"/>
+        </a:solidFill>
+        <a:latin typeface="+mn-lt"/>
+        <a:ea typeface="+mn-ea"/>
+        <a:cs typeface="+mn-cs"/>
+      </a:defRPr>
+    </a:lvl6pPr>
+    <a:lvl7pPr marL="2743200" algn="l" defTabSz="914400" rtl="0" eaLnBrk="1" latinLnBrk="0" hangingPunct="1">
+      <a:defRPr sz="1200" kern="1200">
+        <a:solidFill>
+          <a:schemeClr val="tx1"/>
+        </a:solidFill>
+        <a:latin typeface="+mn-lt"/>
+        <a:ea typeface="+mn-ea"/>
+        <a:cs typeface="+mn-cs"/>
+      </a:defRPr>
+    </a:lvl7pPr>
+    <a:lvl8pPr marL="3200400" algn="l" defTabSz="914400" rtl="0" eaLnBrk="1" latinLnBrk="0" hangingPunct="1">
+      <a:defRPr sz="1200" kern="1200">
+        <a:solidFill>
+          <a:schemeClr val="tx1"/>
+        </a:solidFill>
+        <a:latin typeface="+mn-lt"/>
+        <a:ea typeface="+mn-ea"/>
+        <a:cs typeface="+mn-cs"/>
+      </a:defRPr>
+    </a:lvl8pPr>
+    <a:lvl9pPr marL="3657600" algn="l" defTabSz="914400" rtl="0" eaLnBrk="1" latinLnBrk="0" hangingPunct="1">
+      <a:defRPr sz="1200" kern="1200">
+        <a:solidFill>
+          <a:schemeClr val="tx1"/>
+        </a:solidFill>
+        <a:latin typeface="+mn-lt"/>
+        <a:ea typeface="+mn-ea"/>
+        <a:cs typeface="+mn-cs"/>
+      </a:defRPr>
+    </a:lvl9pPr>
+  </p:notesStyle>
+</p:notesMaster>
+</file>
+
+<file path=ppt/notesSlides/notesSlide1.xml><?xml version="1.0" encoding="utf-8"?>
+<p:notes xmlns:a="http://schemas.openxmlformats.org/drawingml/2006/main" xmlns:r="http://schemas.openxmlformats.org/officeDocument/2006/relationships" xmlns:p="http://schemas.openxmlformats.org/presentationml/2006/main">
+  <p:cSld>
+    <p:spTree>
+      <p:nvGrpSpPr>
+        <p:cNvPr id="1" name=""/>
+        <p:cNvGrpSpPr/>
+        <p:nvPr/>
+      </p:nvGrpSpPr>
+      <p:grpSpPr>
+        <a:xfrm>
+          <a:off x="0" y="0"/>
+          <a:ext cx="0" cy="0"/>
+          <a:chOff x="0" y="0"/>
+          <a:chExt cx="0" cy="0"/>
+        </a:xfrm>
+      </p:grpSpPr>
+      <p:sp>
+        <p:nvSpPr>
+          <p:cNvPr id="2" name="Slide Image Placeholder 1"/>
+          <p:cNvSpPr>
+            <a:spLocks noGrp="1" noRot="1" noChangeAspect="1"/>
+          </p:cNvSpPr>
+          <p:nvPr>
+            <p:ph type="sldImg"/>
+          </p:nvPr>
+        </p:nvSpPr>
+        <p:spPr/>
+      </p:sp>
+      <p:sp>
+        <p:nvSpPr>
+          <p:cNvPr id="3" name="Notes Placeholder 2"/>
+          <p:cNvSpPr>
+            <a:spLocks noGrp="1"/>
+          </p:cNvSpPr>
+          <p:nvPr>
+            <p:ph type="body" idx="1"/>
+          </p:nvPr>
+        </p:nvSpPr>
+        <p:spPr/>
+        <p:txBody>
+          <a:bodyPr/>
+          <a:lstStyle/>
+          <a:p>
+            <a:pPr lvl="1"/>
+            <a:r>
+              <a:rPr lang="en-US" dirty="0"/>
+              <a:t>	Initial Setup:</a:t>
+            </a:r>
+          </a:p>
+          <a:p>
+            <a:pPr marL="285750" indent="-285750">
+              <a:buFontTx/>
+              <a:buChar char="-"/>
+            </a:pPr>
+            <a:r>
+              <a:rPr lang="en-US" dirty="0"/>
+              <a:t>Table A is connected to the view. User interacts with view which pulls or modifies results in A. </a:t>
+            </a:r>
+          </a:p>
+          <a:p>
+            <a:pPr marL="285750" indent="-285750">
+              <a:buFontTx/>
+              <a:buChar char="-"/>
+            </a:pPr>
+            <a:endParaRPr lang="en-US" dirty="0"/>
+          </a:p>
+          <a:p>
+            <a:endParaRPr lang="en-US" dirty="0"/>
+          </a:p>
+          <a:p>
+            <a:pPr marL="285750" indent="-285750">
+              <a:buFontTx/>
+              <a:buChar char="-"/>
+            </a:pPr>
+            <a:r>
+              <a:rPr lang="en-US" dirty="0"/>
+              <a:t>Results modified are replicated over to B</a:t>
+            </a:r>
+          </a:p>
+          <a:p>
+            <a:endParaRPr lang="en-US" dirty="0"/>
+          </a:p>
+        </p:txBody>
+      </p:sp>
+      <p:sp>
+        <p:nvSpPr>
+          <p:cNvPr id="4" name="Slide Number Placeholder 3"/>
+          <p:cNvSpPr>
+            <a:spLocks noGrp="1"/>
+          </p:cNvSpPr>
+          <p:nvPr>
+            <p:ph type="sldNum" sz="quarter" idx="10"/>
+          </p:nvPr>
+        </p:nvSpPr>
+        <p:spPr/>
+        <p:txBody>
+          <a:bodyPr/>
+          <a:lstStyle/>
+          <a:p>
+            <a:fld id="{7AFFC63C-60C1-4378-9691-87661994C31D}" type="slidenum">
+              <a:rPr lang="en-US" smtClean="0"/>
+              <a:t>2</a:t>
+            </a:fld>
+            <a:endParaRPr lang="en-US"/>
+          </a:p>
+        </p:txBody>
+      </p:sp>
+    </p:spTree>
+    <p:extLst>
+      <p:ext uri="{BB962C8B-B14F-4D97-AF65-F5344CB8AC3E}">
+        <p14:creationId xmlns:p14="http://schemas.microsoft.com/office/powerpoint/2010/main" val="4218507321"/>
+      </p:ext>
+    </p:extLst>
+  </p:cSld>
+  <p:clrMapOvr>
+    <a:masterClrMapping/>
+  </p:clrMapOvr>
+</p:notes>
+</file>
+
+<file path=ppt/notesSlides/notesSlide10.xml><?xml version="1.0" encoding="utf-8"?>
+<p:notes xmlns:a="http://schemas.openxmlformats.org/drawingml/2006/main" xmlns:r="http://schemas.openxmlformats.org/officeDocument/2006/relationships" xmlns:p="http://schemas.openxmlformats.org/presentationml/2006/main">
+  <p:cSld>
+    <p:spTree>
+      <p:nvGrpSpPr>
+        <p:cNvPr id="1" name=""/>
+        <p:cNvGrpSpPr/>
+        <p:nvPr/>
+      </p:nvGrpSpPr>
+      <p:grpSpPr>
+        <a:xfrm>
+          <a:off x="0" y="0"/>
+          <a:ext cx="0" cy="0"/>
+          <a:chOff x="0" y="0"/>
+          <a:chExt cx="0" cy="0"/>
+        </a:xfrm>
+      </p:grpSpPr>
+      <p:sp>
+        <p:nvSpPr>
+          <p:cNvPr id="2" name="Slide Image Placeholder 1"/>
+          <p:cNvSpPr>
+            <a:spLocks noGrp="1" noRot="1" noChangeAspect="1"/>
+          </p:cNvSpPr>
+          <p:nvPr>
+            <p:ph type="sldImg"/>
+          </p:nvPr>
+        </p:nvSpPr>
+        <p:spPr/>
+      </p:sp>
+      <p:sp>
+        <p:nvSpPr>
+          <p:cNvPr id="3" name="Notes Placeholder 2"/>
+          <p:cNvSpPr>
+            <a:spLocks noGrp="1"/>
+          </p:cNvSpPr>
+          <p:nvPr>
+            <p:ph type="body" idx="1"/>
+          </p:nvPr>
+        </p:nvSpPr>
+        <p:spPr/>
+        <p:txBody>
+          <a:bodyPr/>
+          <a:lstStyle/>
+          <a:p>
+            <a:pPr lvl="1"/>
+            <a:r>
+              <a:rPr lang="en-US" dirty="0"/>
+              <a:t>	Week 3: Features</a:t>
+            </a:r>
+          </a:p>
+          <a:p>
+            <a:r>
+              <a:rPr lang="en-US" dirty="0"/>
+              <a:t>- We have our patches, our schema, and now we can add our dependencies based on the frameworks / schema changes we made in week 2. This allows for easier roll back if there are problems and allows for the environments to stay more easily in sync.</a:t>
+            </a:r>
+          </a:p>
+          <a:p>
+            <a:endParaRPr lang="en-US" dirty="0"/>
+          </a:p>
+        </p:txBody>
+      </p:sp>
+      <p:sp>
+        <p:nvSpPr>
+          <p:cNvPr id="4" name="Slide Number Placeholder 3"/>
+          <p:cNvSpPr>
+            <a:spLocks noGrp="1"/>
+          </p:cNvSpPr>
+          <p:nvPr>
+            <p:ph type="sldNum" sz="quarter" idx="10"/>
+          </p:nvPr>
+        </p:nvSpPr>
+        <p:spPr/>
+        <p:txBody>
+          <a:bodyPr/>
+          <a:lstStyle/>
+          <a:p>
+            <a:fld id="{7AFFC63C-60C1-4378-9691-87661994C31D}" type="slidenum">
+              <a:rPr lang="en-US" smtClean="0"/>
+              <a:t>12</a:t>
+            </a:fld>
+            <a:endParaRPr lang="en-US"/>
+          </a:p>
+        </p:txBody>
+      </p:sp>
+    </p:spTree>
+    <p:extLst>
+      <p:ext uri="{BB962C8B-B14F-4D97-AF65-F5344CB8AC3E}">
+        <p14:creationId xmlns:p14="http://schemas.microsoft.com/office/powerpoint/2010/main" val="1282403571"/>
+      </p:ext>
+    </p:extLst>
+  </p:cSld>
+  <p:clrMapOvr>
+    <a:masterClrMapping/>
+  </p:clrMapOvr>
+</p:notes>
+</file>
+
+<file path=ppt/notesSlides/notesSlide11.xml><?xml version="1.0" encoding="utf-8"?>
+<p:notes xmlns:a="http://schemas.openxmlformats.org/drawingml/2006/main" xmlns:r="http://schemas.openxmlformats.org/officeDocument/2006/relationships" xmlns:p="http://schemas.openxmlformats.org/presentationml/2006/main">
+  <p:cSld>
+    <p:spTree>
+      <p:nvGrpSpPr>
+        <p:cNvPr id="1" name=""/>
+        <p:cNvGrpSpPr/>
+        <p:nvPr/>
+      </p:nvGrpSpPr>
+      <p:grpSpPr>
+        <a:xfrm>
+          <a:off x="0" y="0"/>
+          <a:ext cx="0" cy="0"/>
+          <a:chOff x="0" y="0"/>
+          <a:chExt cx="0" cy="0"/>
+        </a:xfrm>
+      </p:grpSpPr>
+      <p:sp>
+        <p:nvSpPr>
+          <p:cNvPr id="2" name="Slide Image Placeholder 1"/>
+          <p:cNvSpPr>
+            <a:spLocks noGrp="1" noRot="1" noChangeAspect="1"/>
+          </p:cNvSpPr>
+          <p:nvPr>
+            <p:ph type="sldImg"/>
+          </p:nvPr>
+        </p:nvSpPr>
+        <p:spPr/>
+      </p:sp>
+      <p:sp>
+        <p:nvSpPr>
+          <p:cNvPr id="3" name="Notes Placeholder 2"/>
+          <p:cNvSpPr>
+            <a:spLocks noGrp="1"/>
+          </p:cNvSpPr>
+          <p:nvPr>
+            <p:ph type="body" idx="1"/>
+          </p:nvPr>
+        </p:nvSpPr>
+        <p:spPr/>
+        <p:txBody>
+          <a:bodyPr/>
+          <a:lstStyle/>
+          <a:p>
+            <a:pPr lvl="1"/>
+            <a:r>
+              <a:rPr lang="en-US" dirty="0"/>
+              <a:t>	Week 4: Switch-a-</a:t>
+            </a:r>
+            <a:r>
+              <a:rPr lang="en-US" dirty="0" err="1"/>
+              <a:t>roo</a:t>
+            </a:r>
+            <a:endParaRPr lang="en-US" dirty="0"/>
+          </a:p>
+          <a:p>
+            <a:pPr marL="285750" indent="-285750">
+              <a:buFontTx/>
+              <a:buChar char="-"/>
+            </a:pPr>
+            <a:r>
+              <a:rPr lang="en-US" dirty="0"/>
+              <a:t>We switch the route to Blue. If things go well, we make </a:t>
+            </a:r>
+          </a:p>
+          <a:p>
+            <a:r>
+              <a:rPr lang="en-US" dirty="0"/>
+              <a:t>     the changes to Green and repeat next deployment.</a:t>
+            </a:r>
+          </a:p>
+          <a:p>
+            <a:endParaRPr lang="en-US" dirty="0"/>
+          </a:p>
+        </p:txBody>
+      </p:sp>
+      <p:sp>
+        <p:nvSpPr>
+          <p:cNvPr id="4" name="Slide Number Placeholder 3"/>
+          <p:cNvSpPr>
+            <a:spLocks noGrp="1"/>
+          </p:cNvSpPr>
+          <p:nvPr>
+            <p:ph type="sldNum" sz="quarter" idx="10"/>
+          </p:nvPr>
+        </p:nvSpPr>
+        <p:spPr/>
+        <p:txBody>
+          <a:bodyPr/>
+          <a:lstStyle/>
+          <a:p>
+            <a:fld id="{7AFFC63C-60C1-4378-9691-87661994C31D}" type="slidenum">
+              <a:rPr lang="en-US" smtClean="0"/>
+              <a:t>13</a:t>
+            </a:fld>
+            <a:endParaRPr lang="en-US"/>
+          </a:p>
+        </p:txBody>
+      </p:sp>
+    </p:spTree>
+    <p:extLst>
+      <p:ext uri="{BB962C8B-B14F-4D97-AF65-F5344CB8AC3E}">
+        <p14:creationId xmlns:p14="http://schemas.microsoft.com/office/powerpoint/2010/main" val="3001865190"/>
+      </p:ext>
+    </p:extLst>
+  </p:cSld>
+  <p:clrMapOvr>
+    <a:masterClrMapping/>
+  </p:clrMapOvr>
+</p:notes>
+</file>
+
+<file path=ppt/notesSlides/notesSlide2.xml><?xml version="1.0" encoding="utf-8"?>
+<p:notes xmlns:a="http://schemas.openxmlformats.org/drawingml/2006/main" xmlns:r="http://schemas.openxmlformats.org/officeDocument/2006/relationships" xmlns:p="http://schemas.openxmlformats.org/presentationml/2006/main">
+  <p:cSld>
+    <p:spTree>
+      <p:nvGrpSpPr>
+        <p:cNvPr id="1" name=""/>
+        <p:cNvGrpSpPr/>
+        <p:nvPr/>
+      </p:nvGrpSpPr>
+      <p:grpSpPr>
+        <a:xfrm>
+          <a:off x="0" y="0"/>
+          <a:ext cx="0" cy="0"/>
+          <a:chOff x="0" y="0"/>
+          <a:chExt cx="0" cy="0"/>
+        </a:xfrm>
+      </p:grpSpPr>
+      <p:sp>
+        <p:nvSpPr>
+          <p:cNvPr id="2" name="Slide Image Placeholder 1"/>
+          <p:cNvSpPr>
+            <a:spLocks noGrp="1" noRot="1" noChangeAspect="1"/>
+          </p:cNvSpPr>
+          <p:nvPr>
+            <p:ph type="sldImg"/>
+          </p:nvPr>
+        </p:nvSpPr>
+        <p:spPr/>
+      </p:sp>
+      <p:sp>
+        <p:nvSpPr>
+          <p:cNvPr id="3" name="Notes Placeholder 2"/>
+          <p:cNvSpPr>
+            <a:spLocks noGrp="1"/>
+          </p:cNvSpPr>
+          <p:nvPr>
+            <p:ph type="body" idx="1"/>
+          </p:nvPr>
+        </p:nvSpPr>
+        <p:spPr/>
+        <p:txBody>
+          <a:bodyPr/>
+          <a:lstStyle/>
+          <a:p>
+            <a:pPr lvl="1"/>
+            <a:r>
+              <a:rPr lang="en-US" dirty="0"/>
+              <a:t>	Table preparation:</a:t>
+            </a:r>
+          </a:p>
+          <a:p>
+            <a:pPr marL="285750" indent="-285750">
+              <a:buFontTx/>
+              <a:buChar char="-"/>
+            </a:pPr>
+            <a:r>
+              <a:rPr lang="en-US" dirty="0"/>
+              <a:t>We alter the trigger to point to Table C to catch any changes.</a:t>
+            </a:r>
+          </a:p>
+          <a:p>
+            <a:pPr marL="285750" indent="-285750">
+              <a:buFontTx/>
+              <a:buChar char="-"/>
+            </a:pPr>
+            <a:endParaRPr lang="en-US" dirty="0"/>
+          </a:p>
+          <a:p>
+            <a:endParaRPr lang="en-US" dirty="0"/>
+          </a:p>
+          <a:p>
+            <a:pPr marL="285750" indent="-285750">
+              <a:buFontTx/>
+              <a:buChar char="-"/>
+            </a:pPr>
+            <a:r>
+              <a:rPr lang="en-US" dirty="0"/>
+              <a:t>While Table A and Table C receive changes, we are free to work on Table B without user impact.</a:t>
+            </a:r>
+          </a:p>
+          <a:p>
+            <a:endParaRPr lang="en-US" dirty="0"/>
+          </a:p>
+        </p:txBody>
+      </p:sp>
+      <p:sp>
+        <p:nvSpPr>
+          <p:cNvPr id="4" name="Slide Number Placeholder 3"/>
+          <p:cNvSpPr>
+            <a:spLocks noGrp="1"/>
+          </p:cNvSpPr>
+          <p:nvPr>
+            <p:ph type="sldNum" sz="quarter" idx="10"/>
+          </p:nvPr>
+        </p:nvSpPr>
+        <p:spPr/>
+        <p:txBody>
+          <a:bodyPr/>
+          <a:lstStyle/>
+          <a:p>
+            <a:fld id="{7AFFC63C-60C1-4378-9691-87661994C31D}" type="slidenum">
+              <a:rPr lang="en-US" smtClean="0"/>
+              <a:t>3</a:t>
+            </a:fld>
+            <a:endParaRPr lang="en-US"/>
+          </a:p>
+        </p:txBody>
+      </p:sp>
+    </p:spTree>
+    <p:extLst>
+      <p:ext uri="{BB962C8B-B14F-4D97-AF65-F5344CB8AC3E}">
+        <p14:creationId xmlns:p14="http://schemas.microsoft.com/office/powerpoint/2010/main" val="1587649457"/>
+      </p:ext>
+    </p:extLst>
+  </p:cSld>
+  <p:clrMapOvr>
+    <a:masterClrMapping/>
+  </p:clrMapOvr>
+</p:notes>
+</file>
+
+<file path=ppt/notesSlides/notesSlide3.xml><?xml version="1.0" encoding="utf-8"?>
+<p:notes xmlns:a="http://schemas.openxmlformats.org/drawingml/2006/main" xmlns:r="http://schemas.openxmlformats.org/officeDocument/2006/relationships" xmlns:p="http://schemas.openxmlformats.org/presentationml/2006/main">
+  <p:cSld>
+    <p:spTree>
+      <p:nvGrpSpPr>
+        <p:cNvPr id="1" name=""/>
+        <p:cNvGrpSpPr/>
+        <p:nvPr/>
+      </p:nvGrpSpPr>
+      <p:grpSpPr>
+        <a:xfrm>
+          <a:off x="0" y="0"/>
+          <a:ext cx="0" cy="0"/>
+          <a:chOff x="0" y="0"/>
+          <a:chExt cx="0" cy="0"/>
+        </a:xfrm>
+      </p:grpSpPr>
+      <p:sp>
+        <p:nvSpPr>
+          <p:cNvPr id="2" name="Slide Image Placeholder 1"/>
+          <p:cNvSpPr>
+            <a:spLocks noGrp="1" noRot="1" noChangeAspect="1"/>
+          </p:cNvSpPr>
+          <p:nvPr>
+            <p:ph type="sldImg"/>
+          </p:nvPr>
+        </p:nvSpPr>
+        <p:spPr/>
+      </p:sp>
+      <p:sp>
+        <p:nvSpPr>
+          <p:cNvPr id="3" name="Notes Placeholder 2"/>
+          <p:cNvSpPr>
+            <a:spLocks noGrp="1"/>
+          </p:cNvSpPr>
+          <p:nvPr>
+            <p:ph type="body" idx="1"/>
+          </p:nvPr>
+        </p:nvSpPr>
+        <p:spPr/>
+        <p:txBody>
+          <a:bodyPr/>
+          <a:lstStyle/>
+          <a:p>
+            <a:pPr lvl="1"/>
+            <a:r>
+              <a:rPr lang="en-US" dirty="0"/>
+              <a:t>	Beginning Transition:</a:t>
+            </a:r>
+          </a:p>
+          <a:p>
+            <a:pPr marL="285750" indent="-285750">
+              <a:buFontTx/>
+              <a:buChar char="-"/>
+            </a:pPr>
+            <a:r>
+              <a:rPr lang="en-US" dirty="0"/>
+              <a:t>Table B is now changed and ready to be put back into sync.</a:t>
+            </a:r>
+          </a:p>
+          <a:p>
+            <a:pPr marL="285750" indent="-285750">
+              <a:buFontTx/>
+              <a:buChar char="-"/>
+            </a:pPr>
+            <a:endParaRPr lang="en-US" dirty="0"/>
+          </a:p>
+          <a:p>
+            <a:endParaRPr lang="en-US" dirty="0"/>
+          </a:p>
+          <a:p>
+            <a:pPr marL="285750" indent="-285750">
+              <a:buFontTx/>
+              <a:buChar char="-"/>
+            </a:pPr>
+            <a:r>
+              <a:rPr lang="en-US" dirty="0"/>
+              <a:t>Carry changes from Table C to Table B.</a:t>
+            </a:r>
+          </a:p>
+          <a:p>
+            <a:pPr marL="285750" indent="-285750">
+              <a:buFontTx/>
+              <a:buChar char="-"/>
+            </a:pPr>
+            <a:endParaRPr lang="en-US" dirty="0"/>
+          </a:p>
+          <a:p>
+            <a:pPr marL="285750" indent="-285750">
+              <a:buFontTx/>
+              <a:buChar char="-"/>
+            </a:pPr>
+            <a:r>
+              <a:rPr lang="en-US" dirty="0"/>
+              <a:t>Adjust the trigger on Table A to point back to Table B.</a:t>
+            </a:r>
+          </a:p>
+          <a:p>
+            <a:endParaRPr lang="en-US" dirty="0"/>
+          </a:p>
+        </p:txBody>
+      </p:sp>
+      <p:sp>
+        <p:nvSpPr>
+          <p:cNvPr id="4" name="Slide Number Placeholder 3"/>
+          <p:cNvSpPr>
+            <a:spLocks noGrp="1"/>
+          </p:cNvSpPr>
+          <p:nvPr>
+            <p:ph type="sldNum" sz="quarter" idx="10"/>
+          </p:nvPr>
+        </p:nvSpPr>
+        <p:spPr/>
+        <p:txBody>
+          <a:bodyPr/>
+          <a:lstStyle/>
+          <a:p>
+            <a:fld id="{7AFFC63C-60C1-4378-9691-87661994C31D}" type="slidenum">
+              <a:rPr lang="en-US" smtClean="0"/>
+              <a:t>4</a:t>
+            </a:fld>
+            <a:endParaRPr lang="en-US"/>
+          </a:p>
+        </p:txBody>
+      </p:sp>
+    </p:spTree>
+    <p:extLst>
+      <p:ext uri="{BB962C8B-B14F-4D97-AF65-F5344CB8AC3E}">
+        <p14:creationId xmlns:p14="http://schemas.microsoft.com/office/powerpoint/2010/main" val="3328383063"/>
+      </p:ext>
+    </p:extLst>
+  </p:cSld>
+  <p:clrMapOvr>
+    <a:masterClrMapping/>
+  </p:clrMapOvr>
+</p:notes>
+</file>
+
+<file path=ppt/notesSlides/notesSlide4.xml><?xml version="1.0" encoding="utf-8"?>
+<p:notes xmlns:a="http://schemas.openxmlformats.org/drawingml/2006/main" xmlns:r="http://schemas.openxmlformats.org/officeDocument/2006/relationships" xmlns:p="http://schemas.openxmlformats.org/presentationml/2006/main">
+  <p:cSld>
+    <p:spTree>
+      <p:nvGrpSpPr>
+        <p:cNvPr id="1" name=""/>
+        <p:cNvGrpSpPr/>
+        <p:nvPr/>
+      </p:nvGrpSpPr>
+      <p:grpSpPr>
+        <a:xfrm>
+          <a:off x="0" y="0"/>
+          <a:ext cx="0" cy="0"/>
+          <a:chOff x="0" y="0"/>
+          <a:chExt cx="0" cy="0"/>
+        </a:xfrm>
+      </p:grpSpPr>
+      <p:sp>
+        <p:nvSpPr>
+          <p:cNvPr id="2" name="Slide Image Placeholder 1"/>
+          <p:cNvSpPr>
+            <a:spLocks noGrp="1" noRot="1" noChangeAspect="1"/>
+          </p:cNvSpPr>
+          <p:nvPr>
+            <p:ph type="sldImg"/>
+          </p:nvPr>
+        </p:nvSpPr>
+        <p:spPr/>
+      </p:sp>
+      <p:sp>
+        <p:nvSpPr>
+          <p:cNvPr id="3" name="Notes Placeholder 2"/>
+          <p:cNvSpPr>
+            <a:spLocks noGrp="1"/>
+          </p:cNvSpPr>
+          <p:nvPr>
+            <p:ph type="body" idx="1"/>
+          </p:nvPr>
+        </p:nvSpPr>
+        <p:spPr/>
+        <p:txBody>
+          <a:bodyPr/>
+          <a:lstStyle/>
+          <a:p>
+            <a:pPr lvl="1"/>
+            <a:r>
+              <a:rPr lang="en-US" dirty="0"/>
+              <a:t>	Finishing Transition:</a:t>
+            </a:r>
+          </a:p>
+          <a:p>
+            <a:pPr marL="285750" indent="-285750">
+              <a:buFontTx/>
+              <a:buChar char="-"/>
+            </a:pPr>
+            <a:r>
+              <a:rPr lang="en-US" dirty="0"/>
+              <a:t>Table B has the change       made,  and is receiving data back from A staying in sync.</a:t>
+            </a:r>
+          </a:p>
+          <a:p>
+            <a:endParaRPr lang="en-US" dirty="0"/>
+          </a:p>
+          <a:p>
+            <a:pPr marL="285750" indent="-285750">
+              <a:buFontTx/>
+              <a:buChar char="-"/>
+            </a:pPr>
+            <a:r>
+              <a:rPr lang="en-US" dirty="0"/>
+              <a:t>We can now perform the same change on Table C.</a:t>
+            </a:r>
+          </a:p>
+          <a:p>
+            <a:endParaRPr lang="en-US" dirty="0"/>
+          </a:p>
+        </p:txBody>
+      </p:sp>
+      <p:sp>
+        <p:nvSpPr>
+          <p:cNvPr id="4" name="Slide Number Placeholder 3"/>
+          <p:cNvSpPr>
+            <a:spLocks noGrp="1"/>
+          </p:cNvSpPr>
+          <p:nvPr>
+            <p:ph type="sldNum" sz="quarter" idx="10"/>
+          </p:nvPr>
+        </p:nvSpPr>
+        <p:spPr/>
+        <p:txBody>
+          <a:bodyPr/>
+          <a:lstStyle/>
+          <a:p>
+            <a:fld id="{7AFFC63C-60C1-4378-9691-87661994C31D}" type="slidenum">
+              <a:rPr lang="en-US" smtClean="0"/>
+              <a:t>5</a:t>
+            </a:fld>
+            <a:endParaRPr lang="en-US"/>
+          </a:p>
+        </p:txBody>
+      </p:sp>
+    </p:spTree>
+    <p:extLst>
+      <p:ext uri="{BB962C8B-B14F-4D97-AF65-F5344CB8AC3E}">
+        <p14:creationId xmlns:p14="http://schemas.microsoft.com/office/powerpoint/2010/main" val="2055048475"/>
+      </p:ext>
+    </p:extLst>
+  </p:cSld>
+  <p:clrMapOvr>
+    <a:masterClrMapping/>
+  </p:clrMapOvr>
+</p:notes>
+</file>
+
+<file path=ppt/notesSlides/notesSlide5.xml><?xml version="1.0" encoding="utf-8"?>
+<p:notes xmlns:a="http://schemas.openxmlformats.org/drawingml/2006/main" xmlns:r="http://schemas.openxmlformats.org/officeDocument/2006/relationships" xmlns:p="http://schemas.openxmlformats.org/presentationml/2006/main">
+  <p:cSld>
+    <p:spTree>
+      <p:nvGrpSpPr>
+        <p:cNvPr id="1" name=""/>
+        <p:cNvGrpSpPr/>
+        <p:nvPr/>
+      </p:nvGrpSpPr>
+      <p:grpSpPr>
+        <a:xfrm>
+          <a:off x="0" y="0"/>
+          <a:ext cx="0" cy="0"/>
+          <a:chOff x="0" y="0"/>
+          <a:chExt cx="0" cy="0"/>
+        </a:xfrm>
+      </p:grpSpPr>
+      <p:sp>
+        <p:nvSpPr>
+          <p:cNvPr id="2" name="Slide Image Placeholder 1"/>
+          <p:cNvSpPr>
+            <a:spLocks noGrp="1" noRot="1" noChangeAspect="1"/>
+          </p:cNvSpPr>
+          <p:nvPr>
+            <p:ph type="sldImg"/>
+          </p:nvPr>
+        </p:nvSpPr>
+        <p:spPr/>
+      </p:sp>
+      <p:sp>
+        <p:nvSpPr>
+          <p:cNvPr id="3" name="Notes Placeholder 2"/>
+          <p:cNvSpPr>
+            <a:spLocks noGrp="1"/>
+          </p:cNvSpPr>
+          <p:nvPr>
+            <p:ph type="body" idx="1"/>
+          </p:nvPr>
+        </p:nvSpPr>
+        <p:spPr/>
+        <p:txBody>
+          <a:bodyPr/>
+          <a:lstStyle/>
+          <a:p>
+            <a:pPr lvl="1"/>
+            <a:r>
+              <a:rPr lang="en-US" dirty="0"/>
+              <a:t>	Modifying Table A:</a:t>
+            </a:r>
+          </a:p>
+          <a:p>
+            <a:pPr marL="285750" indent="-285750">
+              <a:buFontTx/>
+              <a:buChar char="-"/>
+            </a:pPr>
+            <a:r>
+              <a:rPr lang="en-US" dirty="0"/>
+              <a:t>We add the trigger to B to catch any changes.</a:t>
+            </a:r>
+          </a:p>
+          <a:p>
+            <a:endParaRPr lang="en-US" dirty="0"/>
+          </a:p>
+          <a:p>
+            <a:endParaRPr lang="en-US" dirty="0"/>
+          </a:p>
+          <a:p>
+            <a:pPr marL="285750" indent="-285750">
+              <a:buFontTx/>
+              <a:buChar char="-"/>
+            </a:pPr>
+            <a:r>
+              <a:rPr lang="en-US" dirty="0"/>
+              <a:t>We switch the view to point to Table B.</a:t>
+            </a:r>
+          </a:p>
+          <a:p>
+            <a:pPr marL="285750" indent="-285750">
+              <a:buFontTx/>
+              <a:buChar char="-"/>
+            </a:pPr>
+            <a:endParaRPr lang="en-US" dirty="0"/>
+          </a:p>
+          <a:p>
+            <a:pPr marL="285750" indent="-285750">
+              <a:buFontTx/>
+              <a:buChar char="-"/>
+            </a:pPr>
+            <a:endParaRPr lang="en-US" dirty="0"/>
+          </a:p>
+          <a:p>
+            <a:pPr marL="285750" indent="-285750">
+              <a:buFontTx/>
+              <a:buChar char="-"/>
+            </a:pPr>
+            <a:r>
+              <a:rPr lang="en-US" dirty="0"/>
+              <a:t>We can now begin work on Table A without impacting the user.</a:t>
+            </a:r>
+          </a:p>
+          <a:p>
+            <a:endParaRPr lang="en-US" dirty="0"/>
+          </a:p>
+        </p:txBody>
+      </p:sp>
+      <p:sp>
+        <p:nvSpPr>
+          <p:cNvPr id="4" name="Slide Number Placeholder 3"/>
+          <p:cNvSpPr>
+            <a:spLocks noGrp="1"/>
+          </p:cNvSpPr>
+          <p:nvPr>
+            <p:ph type="sldNum" sz="quarter" idx="10"/>
+          </p:nvPr>
+        </p:nvSpPr>
+        <p:spPr/>
+        <p:txBody>
+          <a:bodyPr/>
+          <a:lstStyle/>
+          <a:p>
+            <a:fld id="{7AFFC63C-60C1-4378-9691-87661994C31D}" type="slidenum">
+              <a:rPr lang="en-US" smtClean="0"/>
+              <a:t>6</a:t>
+            </a:fld>
+            <a:endParaRPr lang="en-US"/>
+          </a:p>
+        </p:txBody>
+      </p:sp>
+    </p:spTree>
+    <p:extLst>
+      <p:ext uri="{BB962C8B-B14F-4D97-AF65-F5344CB8AC3E}">
+        <p14:creationId xmlns:p14="http://schemas.microsoft.com/office/powerpoint/2010/main" val="459327889"/>
+      </p:ext>
+    </p:extLst>
+  </p:cSld>
+  <p:clrMapOvr>
+    <a:masterClrMapping/>
+  </p:clrMapOvr>
+</p:notes>
+</file>
+
+<file path=ppt/notesSlides/notesSlide6.xml><?xml version="1.0" encoding="utf-8"?>
+<p:notes xmlns:a="http://schemas.openxmlformats.org/drawingml/2006/main" xmlns:r="http://schemas.openxmlformats.org/officeDocument/2006/relationships" xmlns:p="http://schemas.openxmlformats.org/presentationml/2006/main">
+  <p:cSld>
+    <p:spTree>
+      <p:nvGrpSpPr>
+        <p:cNvPr id="1" name=""/>
+        <p:cNvGrpSpPr/>
+        <p:nvPr/>
+      </p:nvGrpSpPr>
+      <p:grpSpPr>
+        <a:xfrm>
+          <a:off x="0" y="0"/>
+          <a:ext cx="0" cy="0"/>
+          <a:chOff x="0" y="0"/>
+          <a:chExt cx="0" cy="0"/>
+        </a:xfrm>
+      </p:grpSpPr>
+      <p:sp>
+        <p:nvSpPr>
+          <p:cNvPr id="2" name="Slide Image Placeholder 1"/>
+          <p:cNvSpPr>
+            <a:spLocks noGrp="1" noRot="1" noChangeAspect="1"/>
+          </p:cNvSpPr>
+          <p:nvPr>
+            <p:ph type="sldImg"/>
+          </p:nvPr>
+        </p:nvSpPr>
+        <p:spPr/>
+      </p:sp>
+      <p:sp>
+        <p:nvSpPr>
+          <p:cNvPr id="3" name="Notes Placeholder 2"/>
+          <p:cNvSpPr>
+            <a:spLocks noGrp="1"/>
+          </p:cNvSpPr>
+          <p:nvPr>
+            <p:ph type="body" idx="1"/>
+          </p:nvPr>
+        </p:nvSpPr>
+        <p:spPr/>
+        <p:txBody>
+          <a:bodyPr/>
+          <a:lstStyle/>
+          <a:p>
+            <a:pPr lvl="1"/>
+            <a:r>
+              <a:rPr lang="en-US" dirty="0"/>
+              <a:t>	Syncing our tables:</a:t>
+            </a:r>
+          </a:p>
+          <a:p>
+            <a:pPr marL="285750" indent="-285750">
+              <a:buFontTx/>
+              <a:buChar char="-"/>
+            </a:pPr>
+            <a:r>
+              <a:rPr lang="en-US" dirty="0"/>
+              <a:t>We alter the trigger on Table B to point back to Table A.</a:t>
+            </a:r>
+          </a:p>
+          <a:p>
+            <a:endParaRPr lang="en-US" dirty="0"/>
+          </a:p>
+          <a:p>
+            <a:endParaRPr lang="en-US" dirty="0"/>
+          </a:p>
+          <a:p>
+            <a:pPr marL="285750" indent="-285750">
+              <a:buFontTx/>
+              <a:buChar char="-"/>
+            </a:pPr>
+            <a:r>
+              <a:rPr lang="en-US" dirty="0"/>
+              <a:t>We carry the changes from Table C to Table A.</a:t>
+            </a:r>
+          </a:p>
+          <a:p>
+            <a:pPr marL="285750" indent="-285750">
+              <a:buFontTx/>
+              <a:buChar char="-"/>
+            </a:pPr>
+            <a:endParaRPr lang="en-US" dirty="0"/>
+          </a:p>
+          <a:p>
+            <a:pPr marL="285750" indent="-285750">
+              <a:buFontTx/>
+              <a:buChar char="-"/>
+            </a:pPr>
+            <a:endParaRPr lang="en-US" dirty="0"/>
+          </a:p>
+          <a:p>
+            <a:pPr marL="285750" indent="-285750">
+              <a:buFontTx/>
+              <a:buChar char="-"/>
+            </a:pPr>
+            <a:r>
+              <a:rPr lang="en-US" dirty="0"/>
+              <a:t>We have now modified our environment without impacting the availability to the user.</a:t>
+            </a:r>
+          </a:p>
+          <a:p>
+            <a:endParaRPr lang="en-US" dirty="0"/>
+          </a:p>
+        </p:txBody>
+      </p:sp>
+      <p:sp>
+        <p:nvSpPr>
+          <p:cNvPr id="4" name="Slide Number Placeholder 3"/>
+          <p:cNvSpPr>
+            <a:spLocks noGrp="1"/>
+          </p:cNvSpPr>
+          <p:nvPr>
+            <p:ph type="sldNum" sz="quarter" idx="10"/>
+          </p:nvPr>
+        </p:nvSpPr>
+        <p:spPr/>
+        <p:txBody>
+          <a:bodyPr/>
+          <a:lstStyle/>
+          <a:p>
+            <a:fld id="{7AFFC63C-60C1-4378-9691-87661994C31D}" type="slidenum">
+              <a:rPr lang="en-US" smtClean="0"/>
+              <a:t>7</a:t>
+            </a:fld>
+            <a:endParaRPr lang="en-US"/>
+          </a:p>
+        </p:txBody>
+      </p:sp>
+    </p:spTree>
+    <p:extLst>
+      <p:ext uri="{BB962C8B-B14F-4D97-AF65-F5344CB8AC3E}">
+        <p14:creationId xmlns:p14="http://schemas.microsoft.com/office/powerpoint/2010/main" val="2179795929"/>
+      </p:ext>
+    </p:extLst>
+  </p:cSld>
+  <p:clrMapOvr>
+    <a:masterClrMapping/>
+  </p:clrMapOvr>
+</p:notes>
+</file>
+
+<file path=ppt/notesSlides/notesSlide7.xml><?xml version="1.0" encoding="utf-8"?>
+<p:notes xmlns:a="http://schemas.openxmlformats.org/drawingml/2006/main" xmlns:r="http://schemas.openxmlformats.org/officeDocument/2006/relationships" xmlns:p="http://schemas.openxmlformats.org/presentationml/2006/main">
+  <p:cSld>
+    <p:spTree>
+      <p:nvGrpSpPr>
+        <p:cNvPr id="1" name=""/>
+        <p:cNvGrpSpPr/>
+        <p:nvPr/>
+      </p:nvGrpSpPr>
+      <p:grpSpPr>
+        <a:xfrm>
+          <a:off x="0" y="0"/>
+          <a:ext cx="0" cy="0"/>
+          <a:chOff x="0" y="0"/>
+          <a:chExt cx="0" cy="0"/>
+        </a:xfrm>
+      </p:grpSpPr>
+      <p:sp>
+        <p:nvSpPr>
+          <p:cNvPr id="2" name="Slide Image Placeholder 1"/>
+          <p:cNvSpPr>
+            <a:spLocks noGrp="1" noRot="1" noChangeAspect="1"/>
+          </p:cNvSpPr>
+          <p:nvPr>
+            <p:ph type="sldImg"/>
+          </p:nvPr>
+        </p:nvSpPr>
+        <p:spPr/>
+      </p:sp>
+      <p:sp>
+        <p:nvSpPr>
+          <p:cNvPr id="3" name="Notes Placeholder 2"/>
+          <p:cNvSpPr>
+            <a:spLocks noGrp="1"/>
+          </p:cNvSpPr>
+          <p:nvPr>
+            <p:ph type="body" idx="1"/>
+          </p:nvPr>
+        </p:nvSpPr>
+        <p:spPr/>
+        <p:txBody>
+          <a:bodyPr/>
+          <a:lstStyle/>
+          <a:p>
+            <a:r>
+              <a:rPr lang="en-US" dirty="0"/>
+              <a:t>As illustrated, this method involves having two identical environments. </a:t>
+            </a:r>
+          </a:p>
+          <a:p>
+            <a:r>
+              <a:rPr lang="en-US" dirty="0"/>
+              <a:t>This allows us to make changes on Blue without impacting Green.</a:t>
+            </a:r>
+          </a:p>
+          <a:p>
+            <a:endParaRPr lang="en-US" dirty="0"/>
+          </a:p>
+        </p:txBody>
+      </p:sp>
+      <p:sp>
+        <p:nvSpPr>
+          <p:cNvPr id="4" name="Slide Number Placeholder 3"/>
+          <p:cNvSpPr>
+            <a:spLocks noGrp="1"/>
+          </p:cNvSpPr>
+          <p:nvPr>
+            <p:ph type="sldNum" sz="quarter" idx="10"/>
+          </p:nvPr>
+        </p:nvSpPr>
+        <p:spPr/>
+        <p:txBody>
+          <a:bodyPr/>
+          <a:lstStyle/>
+          <a:p>
+            <a:fld id="{7AFFC63C-60C1-4378-9691-87661994C31D}" type="slidenum">
+              <a:rPr lang="en-US" smtClean="0"/>
+              <a:t>9</a:t>
+            </a:fld>
+            <a:endParaRPr lang="en-US"/>
+          </a:p>
+        </p:txBody>
+      </p:sp>
+    </p:spTree>
+    <p:extLst>
+      <p:ext uri="{BB962C8B-B14F-4D97-AF65-F5344CB8AC3E}">
+        <p14:creationId xmlns:p14="http://schemas.microsoft.com/office/powerpoint/2010/main" val="3942496037"/>
+      </p:ext>
+    </p:extLst>
+  </p:cSld>
+  <p:clrMapOvr>
+    <a:masterClrMapping/>
+  </p:clrMapOvr>
+</p:notes>
+</file>
+
+<file path=ppt/notesSlides/notesSlide8.xml><?xml version="1.0" encoding="utf-8"?>
+<p:notes xmlns:a="http://schemas.openxmlformats.org/drawingml/2006/main" xmlns:r="http://schemas.openxmlformats.org/officeDocument/2006/relationships" xmlns:p="http://schemas.openxmlformats.org/presentationml/2006/main">
+  <p:cSld>
+    <p:spTree>
+      <p:nvGrpSpPr>
+        <p:cNvPr id="1" name=""/>
+        <p:cNvGrpSpPr/>
+        <p:nvPr/>
+      </p:nvGrpSpPr>
+      <p:grpSpPr>
+        <a:xfrm>
+          <a:off x="0" y="0"/>
+          <a:ext cx="0" cy="0"/>
+          <a:chOff x="0" y="0"/>
+          <a:chExt cx="0" cy="0"/>
+        </a:xfrm>
+      </p:grpSpPr>
+      <p:sp>
+        <p:nvSpPr>
+          <p:cNvPr id="2" name="Slide Image Placeholder 1"/>
+          <p:cNvSpPr>
+            <a:spLocks noGrp="1" noRot="1" noChangeAspect="1"/>
+          </p:cNvSpPr>
+          <p:nvPr>
+            <p:ph type="sldImg"/>
+          </p:nvPr>
+        </p:nvSpPr>
+        <p:spPr/>
+      </p:sp>
+      <p:sp>
+        <p:nvSpPr>
+          <p:cNvPr id="3" name="Notes Placeholder 2"/>
+          <p:cNvSpPr>
+            <a:spLocks noGrp="1"/>
+          </p:cNvSpPr>
+          <p:nvPr>
+            <p:ph type="body" idx="1"/>
+          </p:nvPr>
+        </p:nvSpPr>
+        <p:spPr/>
+        <p:txBody>
+          <a:bodyPr/>
+          <a:lstStyle/>
+          <a:p>
+            <a:pPr lvl="1"/>
+            <a:r>
+              <a:rPr lang="en-US" dirty="0"/>
+              <a:t>	Week 1: Patches</a:t>
+            </a:r>
+          </a:p>
+          <a:p>
+            <a:r>
+              <a:rPr lang="en-US" dirty="0"/>
+              <a:t>- I like to give patches a “burn in” period if possible. Ideally we can bring them up through the environments with testing. This gives us a final test with prod data.</a:t>
+            </a:r>
+          </a:p>
+          <a:p>
+            <a:endParaRPr lang="en-US" dirty="0"/>
+          </a:p>
+        </p:txBody>
+      </p:sp>
+      <p:sp>
+        <p:nvSpPr>
+          <p:cNvPr id="4" name="Slide Number Placeholder 3"/>
+          <p:cNvSpPr>
+            <a:spLocks noGrp="1"/>
+          </p:cNvSpPr>
+          <p:nvPr>
+            <p:ph type="sldNum" sz="quarter" idx="10"/>
+          </p:nvPr>
+        </p:nvSpPr>
+        <p:spPr/>
+        <p:txBody>
+          <a:bodyPr/>
+          <a:lstStyle/>
+          <a:p>
+            <a:fld id="{7AFFC63C-60C1-4378-9691-87661994C31D}" type="slidenum">
+              <a:rPr lang="en-US" smtClean="0"/>
+              <a:t>10</a:t>
+            </a:fld>
+            <a:endParaRPr lang="en-US"/>
+          </a:p>
+        </p:txBody>
+      </p:sp>
+    </p:spTree>
+    <p:extLst>
+      <p:ext uri="{BB962C8B-B14F-4D97-AF65-F5344CB8AC3E}">
+        <p14:creationId xmlns:p14="http://schemas.microsoft.com/office/powerpoint/2010/main" val="2734132823"/>
+      </p:ext>
+    </p:extLst>
+  </p:cSld>
+  <p:clrMapOvr>
+    <a:masterClrMapping/>
+  </p:clrMapOvr>
+</p:notes>
+</file>
+
+<file path=ppt/notesSlides/notesSlide9.xml><?xml version="1.0" encoding="utf-8"?>
+<p:notes xmlns:a="http://schemas.openxmlformats.org/drawingml/2006/main" xmlns:r="http://schemas.openxmlformats.org/officeDocument/2006/relationships" xmlns:p="http://schemas.openxmlformats.org/presentationml/2006/main">
+  <p:cSld>
+    <p:spTree>
+      <p:nvGrpSpPr>
+        <p:cNvPr id="1" name=""/>
+        <p:cNvGrpSpPr/>
+        <p:nvPr/>
+      </p:nvGrpSpPr>
+      <p:grpSpPr>
+        <a:xfrm>
+          <a:off x="0" y="0"/>
+          <a:ext cx="0" cy="0"/>
+          <a:chOff x="0" y="0"/>
+          <a:chExt cx="0" cy="0"/>
+        </a:xfrm>
+      </p:grpSpPr>
+      <p:sp>
+        <p:nvSpPr>
+          <p:cNvPr id="2" name="Slide Image Placeholder 1"/>
+          <p:cNvSpPr>
+            <a:spLocks noGrp="1" noRot="1" noChangeAspect="1"/>
+          </p:cNvSpPr>
+          <p:nvPr>
+            <p:ph type="sldImg"/>
+          </p:nvPr>
+        </p:nvSpPr>
+        <p:spPr/>
+      </p:sp>
+      <p:sp>
+        <p:nvSpPr>
+          <p:cNvPr id="3" name="Notes Placeholder 2"/>
+          <p:cNvSpPr>
+            <a:spLocks noGrp="1"/>
+          </p:cNvSpPr>
+          <p:nvPr>
+            <p:ph type="body" idx="1"/>
+          </p:nvPr>
+        </p:nvSpPr>
+        <p:spPr/>
+        <p:txBody>
+          <a:bodyPr/>
+          <a:lstStyle/>
+          <a:p>
+            <a:pPr lvl="1"/>
+            <a:r>
+              <a:rPr lang="en-US" dirty="0"/>
+              <a:t>	Week 2: Schema</a:t>
+            </a:r>
+          </a:p>
+          <a:p>
+            <a:r>
+              <a:rPr lang="en-US" dirty="0"/>
+              <a:t>- Now we can make schema changes in Blue. This allows us to make a framework to allow for an easier rollback. </a:t>
+            </a:r>
+          </a:p>
+          <a:p>
+            <a:endParaRPr lang="en-US" dirty="0"/>
+          </a:p>
+        </p:txBody>
+      </p:sp>
+      <p:sp>
+        <p:nvSpPr>
+          <p:cNvPr id="4" name="Slide Number Placeholder 3"/>
+          <p:cNvSpPr>
+            <a:spLocks noGrp="1"/>
+          </p:cNvSpPr>
+          <p:nvPr>
+            <p:ph type="sldNum" sz="quarter" idx="10"/>
+          </p:nvPr>
+        </p:nvSpPr>
+        <p:spPr/>
+        <p:txBody>
+          <a:bodyPr/>
+          <a:lstStyle/>
+          <a:p>
+            <a:fld id="{7AFFC63C-60C1-4378-9691-87661994C31D}" type="slidenum">
+              <a:rPr lang="en-US" smtClean="0"/>
+              <a:t>11</a:t>
+            </a:fld>
+            <a:endParaRPr lang="en-US"/>
+          </a:p>
+        </p:txBody>
+      </p:sp>
+    </p:spTree>
+    <p:extLst>
+      <p:ext uri="{BB962C8B-B14F-4D97-AF65-F5344CB8AC3E}">
+        <p14:creationId xmlns:p14="http://schemas.microsoft.com/office/powerpoint/2010/main" val="3494530872"/>
+      </p:ext>
+    </p:extLst>
+  </p:cSld>
+  <p:clrMapOvr>
+    <a:masterClrMapping/>
+  </p:clrMapOvr>
+</p:notes>
 </file>
 
 <file path=ppt/slideLayouts/slideLayout1.xml><?xml version="1.0" encoding="utf-8"?>
@@ -263,7 +1891,7 @@
           <a:p>
             <a:fld id="{48A87A34-81AB-432B-8DAE-1953F412C126}" type="datetimeFigureOut">
               <a:rPr lang="en-US" dirty="0"/>
-              <a:t>1/27/2018</a:t>
+              <a:t>1/29/2018</a:t>
             </a:fld>
             <a:endParaRPr lang="en-US" dirty="0"/>
           </a:p>
@@ -469,7 +2097,7 @@
           <a:p>
             <a:fld id="{48A87A34-81AB-432B-8DAE-1953F412C126}" type="datetimeFigureOut">
               <a:rPr lang="en-US" dirty="0"/>
-              <a:t>1/27/2018</a:t>
+              <a:t>1/29/2018</a:t>
             </a:fld>
             <a:endParaRPr lang="en-US" dirty="0"/>
           </a:p>
@@ -679,7 +2307,7 @@
           <a:p>
             <a:fld id="{48A87A34-81AB-432B-8DAE-1953F412C126}" type="datetimeFigureOut">
               <a:rPr lang="en-US" dirty="0"/>
-              <a:t>1/27/2018</a:t>
+              <a:t>1/29/2018</a:t>
             </a:fld>
             <a:endParaRPr lang="en-US" dirty="0"/>
           </a:p>
@@ -875,7 +2503,7 @@
           <a:p>
             <a:fld id="{48A87A34-81AB-432B-8DAE-1953F412C126}" type="datetimeFigureOut">
               <a:rPr lang="en-US" dirty="0"/>
-              <a:t>1/27/2018</a:t>
+              <a:t>1/29/2018</a:t>
             </a:fld>
             <a:endParaRPr lang="en-US" dirty="0"/>
           </a:p>
@@ -1149,7 +2777,7 @@
           <a:p>
             <a:fld id="{48A87A34-81AB-432B-8DAE-1953F412C126}" type="datetimeFigureOut">
               <a:rPr lang="en-US" dirty="0"/>
-              <a:t>1/27/2018</a:t>
+              <a:t>1/29/2018</a:t>
             </a:fld>
             <a:endParaRPr lang="en-US" dirty="0"/>
           </a:p>
@@ -1412,7 +3040,7 @@
           <a:p>
             <a:fld id="{48A87A34-81AB-432B-8DAE-1953F412C126}" type="datetimeFigureOut">
               <a:rPr lang="en-US" dirty="0"/>
-              <a:t>1/27/2018</a:t>
+              <a:t>1/29/2018</a:t>
             </a:fld>
             <a:endParaRPr lang="en-US" dirty="0"/>
           </a:p>
@@ -1823,7 +3451,7 @@
           <a:p>
             <a:fld id="{48A87A34-81AB-432B-8DAE-1953F412C126}" type="datetimeFigureOut">
               <a:rPr lang="en-US" dirty="0"/>
-              <a:t>1/27/2018</a:t>
+              <a:t>1/29/2018</a:t>
             </a:fld>
             <a:endParaRPr lang="en-US" dirty="0"/>
           </a:p>
@@ -1967,7 +3595,7 @@
           <a:p>
             <a:fld id="{48A87A34-81AB-432B-8DAE-1953F412C126}" type="datetimeFigureOut">
               <a:rPr lang="en-US" dirty="0"/>
-              <a:t>1/27/2018</a:t>
+              <a:t>1/29/2018</a:t>
             </a:fld>
             <a:endParaRPr lang="en-US" dirty="0"/>
           </a:p>
@@ -2088,7 +3716,7 @@
           <a:p>
             <a:fld id="{48A87A34-81AB-432B-8DAE-1953F412C126}" type="datetimeFigureOut">
               <a:rPr lang="en-US" dirty="0"/>
-              <a:t>1/27/2018</a:t>
+              <a:t>1/29/2018</a:t>
             </a:fld>
             <a:endParaRPr lang="en-US" dirty="0"/>
           </a:p>
@@ -2334,7 +3962,7 @@
           <a:p>
             <a:fld id="{48A87A34-81AB-432B-8DAE-1953F412C126}" type="datetimeFigureOut">
               <a:rPr lang="en-US" dirty="0"/>
-              <a:t>1/27/2018</a:t>
+              <a:t>1/29/2018</a:t>
             </a:fld>
             <a:endParaRPr lang="en-US" dirty="0"/>
           </a:p>
@@ -2775,7 +4403,7 @@
             <a:fld id="{48A87A34-81AB-432B-8DAE-1953F412C126}" type="datetimeFigureOut">
               <a:rPr lang="en-US" dirty="0"/>
               <a:pPr/>
-              <a:t>1/27/2018</a:t>
+              <a:t>1/29/2018</a:t>
             </a:fld>
             <a:endParaRPr lang="en-US" dirty="0"/>
           </a:p>
@@ -3097,7 +4725,7 @@
             <a:fld id="{48A87A34-81AB-432B-8DAE-1953F412C126}" type="datetimeFigureOut">
               <a:rPr lang="en-US" dirty="0"/>
               <a:pPr/>
-              <a:t>1/27/2018</a:t>
+              <a:t>1/29/2018</a:t>
             </a:fld>
             <a:endParaRPr lang="en-US" dirty="0"/>
           </a:p>
@@ -3757,7 +5385,7 @@
           <p:nvPr/>
         </p:nvPicPr>
         <p:blipFill>
-          <a:blip r:embed="rId2"/>
+          <a:blip r:embed="rId3"/>
           <a:stretch>
             <a:fillRect/>
           </a:stretch>
@@ -3787,7 +5415,7 @@
         <p:spPr>
           <a:xfrm>
             <a:off x="375782" y="1240077"/>
-            <a:ext cx="3162756" cy="2031325"/>
+            <a:ext cx="3162756" cy="2585323"/>
           </a:xfrm>
           <a:prstGeom prst="rect">
             <a:avLst/>
@@ -3803,13 +5431,17 @@
             <a:pPr lvl="1"/>
             <a:r>
               <a:rPr lang="en-US" dirty="0"/>
-              <a:t>	Week 1: Patches</a:t>
-            </a:r>
-          </a:p>
-          <a:p>
-            <a:r>
-              <a:rPr lang="en-US" dirty="0"/>
-              <a:t>- I like to give patches a “burn in” period if possible. Ideally we can bring them up through the environments with testing. This gives us a final test with prod data.</a:t>
+              <a:t>	Patches</a:t>
+            </a:r>
+          </a:p>
+          <a:p>
+            <a:pPr marL="285750" indent="-285750">
+              <a:buFontTx/>
+              <a:buChar char="-"/>
+            </a:pPr>
+            <a:r>
+              <a:rPr lang="en-US" dirty="0"/>
+              <a:t>Patches can be cycled between green and blue after they had already passed previous environments if you want to watch the behavior of the patches in prod without impacting the customer.</a:t>
             </a:r>
           </a:p>
         </p:txBody>
@@ -3829,7 +5461,7 @@
           <p:nvPr/>
         </p:nvPicPr>
         <p:blipFill>
-          <a:blip r:embed="rId3"/>
+          <a:blip r:embed="rId4"/>
           <a:stretch>
             <a:fillRect/>
           </a:stretch>
@@ -3859,7 +5491,7 @@
           <p:nvPr/>
         </p:nvPicPr>
         <p:blipFill>
-          <a:blip r:embed="rId2"/>
+          <a:blip r:embed="rId3"/>
           <a:stretch>
             <a:fillRect/>
           </a:stretch>
@@ -3989,7 +5621,7 @@
         <p:spPr>
           <a:xfrm>
             <a:off x="375782" y="1240077"/>
-            <a:ext cx="3162756" cy="1477328"/>
+            <a:ext cx="3162756" cy="2585323"/>
           </a:xfrm>
           <a:prstGeom prst="rect">
             <a:avLst/>
@@ -4005,13 +5637,13 @@
             <a:pPr lvl="1"/>
             <a:r>
               <a:rPr lang="en-US" dirty="0"/>
-              <a:t>	Week 2: Schema</a:t>
-            </a:r>
-          </a:p>
-          <a:p>
-            <a:r>
-              <a:rPr lang="en-US" dirty="0"/>
-              <a:t>- Now we can make schema changes in Blue. This allows us to make a framework to allow for an easier rollback. </a:t>
+              <a:t>	Schema</a:t>
+            </a:r>
+          </a:p>
+          <a:p>
+            <a:r>
+              <a:rPr lang="en-US" dirty="0"/>
+              <a:t>- Ideally in deployment, we deploy the schema and framework before the features and data. This will make rollback easier in either event if something were to go wrong. Snapshots can be taken before each implementation.</a:t>
             </a:r>
           </a:p>
         </p:txBody>
@@ -4031,7 +5663,7 @@
           <p:nvPr/>
         </p:nvPicPr>
         <p:blipFill>
-          <a:blip r:embed="rId2"/>
+          <a:blip r:embed="rId3"/>
           <a:stretch>
             <a:fillRect/>
           </a:stretch>
@@ -4161,7 +5793,7 @@
         <p:spPr>
           <a:xfrm>
             <a:off x="375782" y="1240077"/>
-            <a:ext cx="3162756" cy="2862322"/>
+            <a:ext cx="3162756" cy="2308324"/>
           </a:xfrm>
           <a:prstGeom prst="rect">
             <a:avLst/>
@@ -4177,13 +5809,13 @@
             <a:pPr lvl="1"/>
             <a:r>
               <a:rPr lang="en-US" dirty="0"/>
-              <a:t>	Week 3: Features</a:t>
-            </a:r>
-          </a:p>
-          <a:p>
-            <a:r>
-              <a:rPr lang="en-US" dirty="0"/>
-              <a:t>- We have our patches, our schema, and now we can add our dependencies based on the frameworks / schema changes we made in week 2. This allows for easier roll back if there are problems and allows for the environments to stay more easily in sync.</a:t>
+              <a:t>	Features</a:t>
+            </a:r>
+          </a:p>
+          <a:p>
+            <a:r>
+              <a:rPr lang="en-US" dirty="0"/>
+              <a:t>- Once the framework and schema is in place, the data can be deployed. If there is an issue, we can roll back to the previous snapshot. The customer is unaware any changes are occurring. </a:t>
             </a:r>
           </a:p>
         </p:txBody>
@@ -4203,7 +5835,7 @@
           <p:nvPr/>
         </p:nvPicPr>
         <p:blipFill>
-          <a:blip r:embed="rId2"/>
+          <a:blip r:embed="rId3"/>
           <a:stretch>
             <a:fillRect/>
           </a:stretch>
@@ -4349,7 +5981,7 @@
             <a:pPr lvl="1"/>
             <a:r>
               <a:rPr lang="en-US" dirty="0"/>
-              <a:t>	Week 4: Switch-a-</a:t>
+              <a:t>	Switch-a-</a:t>
             </a:r>
             <a:r>
               <a:rPr lang="en-US" dirty="0" err="1"/>
@@ -4358,19 +5990,20 @@
             <a:endParaRPr lang="en-US" dirty="0"/>
           </a:p>
           <a:p>
-            <a:pPr marL="285750" indent="-285750">
+            <a:pPr marL="742950" lvl="1" indent="-285750">
               <a:buFontTx/>
               <a:buChar char="-"/>
             </a:pPr>
             <a:r>
               <a:rPr lang="en-US" dirty="0"/>
-              <a:t>We switch the route to Blue. If things go well, we make </a:t>
-            </a:r>
-          </a:p>
-          <a:p>
-            <a:r>
-              <a:rPr lang="en-US" dirty="0"/>
-              <a:t>     the changes to Green and repeat next deployment.</a:t>
+              <a:t>Once things are working fine with the upgrades, we can</a:t>
+            </a:r>
+          </a:p>
+          <a:p>
+            <a:pPr lvl="1"/>
+            <a:r>
+              <a:rPr lang="en-US" dirty="0"/>
+              <a:t>switch the router over to the other stack without causing any issues.</a:t>
             </a:r>
           </a:p>
         </p:txBody>
@@ -4390,7 +6023,7 @@
           <p:nvPr/>
         </p:nvPicPr>
         <p:blipFill>
-          <a:blip r:embed="rId2"/>
+          <a:blip r:embed="rId3"/>
           <a:stretch>
             <a:fillRect/>
           </a:stretch>
@@ -4816,7 +6449,7 @@
           <a:p>
             <a:r>
               <a:rPr lang="en-US" dirty="0"/>
-              <a:t>You can run into sync issues, this can be circumvented through policy, procedure, and keeping everything as identical as possible.</a:t>
+              <a:t>You can run into sync issues, this can be circumvented through proper policy and procedure.</a:t>
             </a:r>
           </a:p>
           <a:p>
@@ -5228,7 +6861,7 @@
           <p:nvPr/>
         </p:nvPicPr>
         <p:blipFill>
-          <a:blip r:embed="rId2"/>
+          <a:blip r:embed="rId3"/>
           <a:stretch>
             <a:fillRect/>
           </a:stretch>
@@ -5424,7 +7057,7 @@
           <p:nvPr/>
         </p:nvPicPr>
         <p:blipFill>
-          <a:blip r:embed="rId2"/>
+          <a:blip r:embed="rId3"/>
           <a:stretch>
             <a:fillRect/>
           </a:stretch>
@@ -5620,7 +7253,7 @@
           <p:nvPr/>
         </p:nvPicPr>
         <p:blipFill>
-          <a:blip r:embed="rId2"/>
+          <a:blip r:embed="rId3"/>
           <a:stretch>
             <a:fillRect/>
           </a:stretch>
@@ -5903,7 +7536,7 @@
           <p:nvPr/>
         </p:nvPicPr>
         <p:blipFill>
-          <a:blip r:embed="rId2"/>
+          <a:blip r:embed="rId3"/>
           <a:stretch>
             <a:fillRect/>
           </a:stretch>
@@ -6029,7 +7662,7 @@
           <p:nvPr/>
         </p:nvPicPr>
         <p:blipFill>
-          <a:blip r:embed="rId2"/>
+          <a:blip r:embed="rId3"/>
           <a:stretch>
             <a:fillRect/>
           </a:stretch>
@@ -6222,7 +7855,7 @@
           <p:nvPr/>
         </p:nvPicPr>
         <p:blipFill>
-          <a:blip r:embed="rId3"/>
+          <a:blip r:embed="rId4"/>
           <a:stretch>
             <a:fillRect/>
           </a:stretch>
@@ -6282,7 +7915,7 @@
           <p:nvPr/>
         </p:nvPicPr>
         <p:blipFill>
-          <a:blip r:embed="rId2"/>
+          <a:blip r:embed="rId3"/>
           <a:stretch>
             <a:fillRect/>
           </a:stretch>
@@ -6475,7 +8108,7 @@
           <p:nvPr/>
         </p:nvPicPr>
         <p:blipFill>
-          <a:blip r:embed="rId3"/>
+          <a:blip r:embed="rId4"/>
           <a:stretch>
             <a:fillRect/>
           </a:stretch>
@@ -6505,7 +8138,7 @@
           <p:nvPr/>
         </p:nvPicPr>
         <p:blipFill>
-          <a:blip r:embed="rId4"/>
+          <a:blip r:embed="rId5"/>
           <a:stretch>
             <a:fillRect/>
           </a:stretch>
@@ -7200,7 +8833,7 @@
           <p:nvPr/>
         </p:nvPicPr>
         <p:blipFill>
-          <a:blip r:embed="rId2"/>
+          <a:blip r:embed="rId3"/>
           <a:stretch>
             <a:fillRect/>
           </a:stretch>
@@ -7520,4 +9153,299 @@
     </a:ext>
   </a:extLst>
 </a:theme>
+</file>
+
+<file path=ppt/theme/theme2.xml><?xml version="1.0" encoding="utf-8"?>
+<a:theme xmlns:a="http://schemas.openxmlformats.org/drawingml/2006/main" name="Office Theme">
+  <a:themeElements>
+    <a:clrScheme name="Office">
+      <a:dk1>
+        <a:sysClr val="windowText" lastClr="000000"/>
+      </a:dk1>
+      <a:lt1>
+        <a:sysClr val="window" lastClr="FFFFFF"/>
+      </a:lt1>
+      <a:dk2>
+        <a:srgbClr val="44546A"/>
+      </a:dk2>
+      <a:lt2>
+        <a:srgbClr val="E7E6E6"/>
+      </a:lt2>
+      <a:accent1>
+        <a:srgbClr val="4472C4"/>
+      </a:accent1>
+      <a:accent2>
+        <a:srgbClr val="ED7D31"/>
+      </a:accent2>
+      <a:accent3>
+        <a:srgbClr val="A5A5A5"/>
+      </a:accent3>
+      <a:accent4>
+        <a:srgbClr val="FFC000"/>
+      </a:accent4>
+      <a:accent5>
+        <a:srgbClr val="5B9BD5"/>
+      </a:accent5>
+      <a:accent6>
+        <a:srgbClr val="70AD47"/>
+      </a:accent6>
+      <a:hlink>
+        <a:srgbClr val="0563C1"/>
+      </a:hlink>
+      <a:folHlink>
+        <a:srgbClr val="954F72"/>
+      </a:folHlink>
+    </a:clrScheme>
+    <a:fontScheme name="Office">
+      <a:majorFont>
+        <a:latin typeface="Calibri Light" panose="020F0302020204030204"/>
+        <a:ea typeface=""/>
+        <a:cs typeface=""/>
+        <a:font script="Jpan" typeface="游ゴシック Light"/>
+        <a:font script="Hang" typeface="맑은 고딕"/>
+        <a:font script="Hans" typeface="等线 Light"/>
+        <a:font script="Hant" typeface="新細明體"/>
+        <a:font script="Arab" typeface="Times New Roman"/>
+        <a:font script="Hebr" typeface="Times New Roman"/>
+        <a:font script="Thai" typeface="Angsana New"/>
+        <a:font script="Ethi" typeface="Nyala"/>
+        <a:font script="Beng" typeface="Vrinda"/>
+        <a:font script="Gujr" typeface="Shruti"/>
+        <a:font script="Khmr" typeface="MoolBoran"/>
+        <a:font script="Knda" typeface="Tunga"/>
+        <a:font script="Guru" typeface="Raavi"/>
+        <a:font script="Cans" typeface="Euphemia"/>
+        <a:font script="Cher" typeface="Plantagenet Cherokee"/>
+        <a:font script="Yiii" typeface="Microsoft Yi Baiti"/>
+        <a:font script="Tibt" typeface="Microsoft Himalaya"/>
+        <a:font script="Thaa" typeface="MV Boli"/>
+        <a:font script="Deva" typeface="Mangal"/>
+        <a:font script="Telu" typeface="Gautami"/>
+        <a:font script="Taml" typeface="Latha"/>
+        <a:font script="Syrc" typeface="Estrangelo Edessa"/>
+        <a:font script="Orya" typeface="Kalinga"/>
+        <a:font script="Mlym" typeface="Kartika"/>
+        <a:font script="Laoo" typeface="DokChampa"/>
+        <a:font script="Sinh" typeface="Iskoola Pota"/>
+        <a:font script="Mong" typeface="Mongolian Baiti"/>
+        <a:font script="Viet" typeface="Times New Roman"/>
+        <a:font script="Uigh" typeface="Microsoft Uighur"/>
+        <a:font script="Geor" typeface="Sylfaen"/>
+        <a:font script="Armn" typeface="Arial"/>
+        <a:font script="Bugi" typeface="Leelawadee UI"/>
+        <a:font script="Bopo" typeface="Microsoft JhengHei"/>
+        <a:font script="Java" typeface="Javanese Text"/>
+        <a:font script="Lisu" typeface="Segoe UI"/>
+        <a:font script="Mymr" typeface="Myanmar Text"/>
+        <a:font script="Nkoo" typeface="Ebrima"/>
+        <a:font script="Olck" typeface="Nirmala UI"/>
+        <a:font script="Osma" typeface="Ebrima"/>
+        <a:font script="Phag" typeface="Phagspa"/>
+        <a:font script="Syrn" typeface="Estrangelo Edessa"/>
+        <a:font script="Syrj" typeface="Estrangelo Edessa"/>
+        <a:font script="Syre" typeface="Estrangelo Edessa"/>
+        <a:font script="Sora" typeface="Nirmala UI"/>
+        <a:font script="Tale" typeface="Microsoft Tai Le"/>
+        <a:font script="Talu" typeface="Microsoft New Tai Lue"/>
+        <a:font script="Tfng" typeface="Ebrima"/>
+      </a:majorFont>
+      <a:minorFont>
+        <a:latin typeface="Calibri" panose="020F0502020204030204"/>
+        <a:ea typeface=""/>
+        <a:cs typeface=""/>
+        <a:font script="Jpan" typeface="游ゴシック"/>
+        <a:font script="Hang" typeface="맑은 고딕"/>
+        <a:font script="Hans" typeface="等线"/>
+        <a:font script="Hant" typeface="新細明體"/>
+        <a:font script="Arab" typeface="Arial"/>
+        <a:font script="Hebr" typeface="Arial"/>
+        <a:font script="Thai" typeface="Cordia New"/>
+        <a:font script="Ethi" typeface="Nyala"/>
+        <a:font script="Beng" typeface="Vrinda"/>
+        <a:font script="Gujr" typeface="Shruti"/>
+        <a:font script="Khmr" typeface="DaunPenh"/>
+        <a:font script="Knda" typeface="Tunga"/>
+        <a:font script="Guru" typeface="Raavi"/>
+        <a:font script="Cans" typeface="Euphemia"/>
+        <a:font script="Cher" typeface="Plantagenet Cherokee"/>
+        <a:font script="Yiii" typeface="Microsoft Yi Baiti"/>
+        <a:font script="Tibt" typeface="Microsoft Himalaya"/>
+        <a:font script="Thaa" typeface="MV Boli"/>
+        <a:font script="Deva" typeface="Mangal"/>
+        <a:font script="Telu" typeface="Gautami"/>
+        <a:font script="Taml" typeface="Latha"/>
+        <a:font script="Syrc" typeface="Estrangelo Edessa"/>
+        <a:font script="Orya" typeface="Kalinga"/>
+        <a:font script="Mlym" typeface="Kartika"/>
+        <a:font script="Laoo" typeface="DokChampa"/>
+        <a:font script="Sinh" typeface="Iskoola Pota"/>
+        <a:font script="Mong" typeface="Mongolian Baiti"/>
+        <a:font script="Viet" typeface="Arial"/>
+        <a:font script="Uigh" typeface="Microsoft Uighur"/>
+        <a:font script="Geor" typeface="Sylfaen"/>
+        <a:font script="Armn" typeface="Arial"/>
+        <a:font script="Bugi" typeface="Leelawadee UI"/>
+        <a:font script="Bopo" typeface="Microsoft JhengHei"/>
+        <a:font script="Java" typeface="Javanese Text"/>
+        <a:font script="Lisu" typeface="Segoe UI"/>
+        <a:font script="Mymr" typeface="Myanmar Text"/>
+        <a:font script="Nkoo" typeface="Ebrima"/>
+        <a:font script="Olck" typeface="Nirmala UI"/>
+        <a:font script="Osma" typeface="Ebrima"/>
+        <a:font script="Phag" typeface="Phagspa"/>
+        <a:font script="Syrn" typeface="Estrangelo Edessa"/>
+        <a:font script="Syrj" typeface="Estrangelo Edessa"/>
+        <a:font script="Syre" typeface="Estrangelo Edessa"/>
+        <a:font script="Sora" typeface="Nirmala UI"/>
+        <a:font script="Tale" typeface="Microsoft Tai Le"/>
+        <a:font script="Talu" typeface="Microsoft New Tai Lue"/>
+        <a:font script="Tfng" typeface="Ebrima"/>
+      </a:minorFont>
+    </a:fontScheme>
+    <a:fmtScheme name="Office">
+      <a:fillStyleLst>
+        <a:solidFill>
+          <a:schemeClr val="phClr"/>
+        </a:solidFill>
+        <a:gradFill rotWithShape="1">
+          <a:gsLst>
+            <a:gs pos="0">
+              <a:schemeClr val="phClr">
+                <a:lumMod val="110000"/>
+                <a:satMod val="105000"/>
+                <a:tint val="67000"/>
+              </a:schemeClr>
+            </a:gs>
+            <a:gs pos="50000">
+              <a:schemeClr val="phClr">
+                <a:lumMod val="105000"/>
+                <a:satMod val="103000"/>
+                <a:tint val="73000"/>
+              </a:schemeClr>
+            </a:gs>
+            <a:gs pos="100000">
+              <a:schemeClr val="phClr">
+                <a:lumMod val="105000"/>
+                <a:satMod val="109000"/>
+                <a:tint val="81000"/>
+              </a:schemeClr>
+            </a:gs>
+          </a:gsLst>
+          <a:lin ang="5400000" scaled="0"/>
+        </a:gradFill>
+        <a:gradFill rotWithShape="1">
+          <a:gsLst>
+            <a:gs pos="0">
+              <a:schemeClr val="phClr">
+                <a:satMod val="103000"/>
+                <a:lumMod val="102000"/>
+                <a:tint val="94000"/>
+              </a:schemeClr>
+            </a:gs>
+            <a:gs pos="50000">
+              <a:schemeClr val="phClr">
+                <a:satMod val="110000"/>
+                <a:lumMod val="100000"/>
+                <a:shade val="100000"/>
+              </a:schemeClr>
+            </a:gs>
+            <a:gs pos="100000">
+              <a:schemeClr val="phClr">
+                <a:lumMod val="99000"/>
+                <a:satMod val="120000"/>
+                <a:shade val="78000"/>
+              </a:schemeClr>
+            </a:gs>
+          </a:gsLst>
+          <a:lin ang="5400000" scaled="0"/>
+        </a:gradFill>
+      </a:fillStyleLst>
+      <a:lnStyleLst>
+        <a:ln w="6350" cap="flat" cmpd="sng" algn="ctr">
+          <a:solidFill>
+            <a:schemeClr val="phClr"/>
+          </a:solidFill>
+          <a:prstDash val="solid"/>
+          <a:miter lim="800000"/>
+        </a:ln>
+        <a:ln w="12700" cap="flat" cmpd="sng" algn="ctr">
+          <a:solidFill>
+            <a:schemeClr val="phClr"/>
+          </a:solidFill>
+          <a:prstDash val="solid"/>
+          <a:miter lim="800000"/>
+        </a:ln>
+        <a:ln w="19050" cap="flat" cmpd="sng" algn="ctr">
+          <a:solidFill>
+            <a:schemeClr val="phClr"/>
+          </a:solidFill>
+          <a:prstDash val="solid"/>
+          <a:miter lim="800000"/>
+        </a:ln>
+      </a:lnStyleLst>
+      <a:effectStyleLst>
+        <a:effectStyle>
+          <a:effectLst/>
+        </a:effectStyle>
+        <a:effectStyle>
+          <a:effectLst/>
+        </a:effectStyle>
+        <a:effectStyle>
+          <a:effectLst>
+            <a:outerShdw blurRad="57150" dist="19050" dir="5400000" algn="ctr" rotWithShape="0">
+              <a:srgbClr val="000000">
+                <a:alpha val="63000"/>
+              </a:srgbClr>
+            </a:outerShdw>
+          </a:effectLst>
+        </a:effectStyle>
+      </a:effectStyleLst>
+      <a:bgFillStyleLst>
+        <a:solidFill>
+          <a:schemeClr val="phClr"/>
+        </a:solidFill>
+        <a:solidFill>
+          <a:schemeClr val="phClr">
+            <a:tint val="95000"/>
+            <a:satMod val="170000"/>
+          </a:schemeClr>
+        </a:solidFill>
+        <a:gradFill rotWithShape="1">
+          <a:gsLst>
+            <a:gs pos="0">
+              <a:schemeClr val="phClr">
+                <a:tint val="93000"/>
+                <a:satMod val="150000"/>
+                <a:shade val="98000"/>
+                <a:lumMod val="102000"/>
+              </a:schemeClr>
+            </a:gs>
+            <a:gs pos="50000">
+              <a:schemeClr val="phClr">
+                <a:tint val="98000"/>
+                <a:satMod val="130000"/>
+                <a:shade val="90000"/>
+                <a:lumMod val="103000"/>
+              </a:schemeClr>
+            </a:gs>
+            <a:gs pos="100000">
+              <a:schemeClr val="phClr">
+                <a:shade val="63000"/>
+                <a:satMod val="120000"/>
+              </a:schemeClr>
+            </a:gs>
+          </a:gsLst>
+          <a:lin ang="5400000" scaled="0"/>
+        </a:gradFill>
+      </a:bgFillStyleLst>
+    </a:fmtScheme>
+  </a:themeElements>
+  <a:objectDefaults/>
+  <a:extraClrSchemeLst/>
+  <a:extLst>
+    <a:ext uri="{05A4C25C-085E-4340-85A3-A5531E510DB2}">
+      <thm15:themeFamily xmlns:thm15="http://schemas.microsoft.com/office/thememl/2012/main" name="Office Theme" id="{62F939B6-93AF-4DB8-9C6B-D6C7DFDC589F}" vid="{4A3C46E8-61CC-4603-A589-7422A47A8E4A}"/>
+    </a:ext>
+  </a:extLst>
+</a:theme>
 </file>